--- a/18-NLP/09-Neuron/neuron.pptx
+++ b/18-NLP/09-Neuron/neuron.pptx
@@ -6,6 +6,9 @@
   </p:sldMasterIdLst>
   <p:sldIdLst>
     <p:sldId id="257" r:id="rId2"/>
+    <p:sldId id="258" r:id="rId3"/>
+    <p:sldId id="260" r:id="rId4"/>
+    <p:sldId id="261" r:id="rId5"/>
   </p:sldIdLst>
   <p:sldSz cx="12192000" cy="6858000"/>
   <p:notesSz cx="6858000" cy="9144000"/>
@@ -104,6 +107,11 @@
       </a:defRPr>
     </a:lvl9pPr>
   </p:defaultTextStyle>
+  <p:extLst>
+    <p:ext uri="{EFAFB233-063F-42B5-8137-9DF3F51BA10A}">
+      <p15:sldGuideLst xmlns:p15="http://schemas.microsoft.com/office/powerpoint/2012/main"/>
+    </p:ext>
+  </p:extLst>
 </p:presentation>
 </file>
 
@@ -256,7 +264,7 @@
           <a:p>
             <a:fld id="{A1A5EB61-8695-411E-B34E-8ACE6990C90B}" type="datetimeFigureOut">
               <a:rPr lang="en-IN" smtClean="0"/>
-              <a:t>12-02-2023</a:t>
+              <a:t>13-02-2023</a:t>
             </a:fld>
             <a:endParaRPr lang="en-IN"/>
           </a:p>
@@ -456,7 +464,7 @@
           <a:p>
             <a:fld id="{A1A5EB61-8695-411E-B34E-8ACE6990C90B}" type="datetimeFigureOut">
               <a:rPr lang="en-IN" smtClean="0"/>
-              <a:t>12-02-2023</a:t>
+              <a:t>13-02-2023</a:t>
             </a:fld>
             <a:endParaRPr lang="en-IN"/>
           </a:p>
@@ -666,7 +674,7 @@
           <a:p>
             <a:fld id="{A1A5EB61-8695-411E-B34E-8ACE6990C90B}" type="datetimeFigureOut">
               <a:rPr lang="en-IN" smtClean="0"/>
-              <a:t>12-02-2023</a:t>
+              <a:t>13-02-2023</a:t>
             </a:fld>
             <a:endParaRPr lang="en-IN"/>
           </a:p>
@@ -866,7 +874,7 @@
           <a:p>
             <a:fld id="{A1A5EB61-8695-411E-B34E-8ACE6990C90B}" type="datetimeFigureOut">
               <a:rPr lang="en-IN" smtClean="0"/>
-              <a:t>12-02-2023</a:t>
+              <a:t>13-02-2023</a:t>
             </a:fld>
             <a:endParaRPr lang="en-IN"/>
           </a:p>
@@ -1142,7 +1150,7 @@
           <a:p>
             <a:fld id="{A1A5EB61-8695-411E-B34E-8ACE6990C90B}" type="datetimeFigureOut">
               <a:rPr lang="en-IN" smtClean="0"/>
-              <a:t>12-02-2023</a:t>
+              <a:t>13-02-2023</a:t>
             </a:fld>
             <a:endParaRPr lang="en-IN"/>
           </a:p>
@@ -1410,7 +1418,7 @@
           <a:p>
             <a:fld id="{A1A5EB61-8695-411E-B34E-8ACE6990C90B}" type="datetimeFigureOut">
               <a:rPr lang="en-IN" smtClean="0"/>
-              <a:t>12-02-2023</a:t>
+              <a:t>13-02-2023</a:t>
             </a:fld>
             <a:endParaRPr lang="en-IN"/>
           </a:p>
@@ -1825,7 +1833,7 @@
           <a:p>
             <a:fld id="{A1A5EB61-8695-411E-B34E-8ACE6990C90B}" type="datetimeFigureOut">
               <a:rPr lang="en-IN" smtClean="0"/>
-              <a:t>12-02-2023</a:t>
+              <a:t>13-02-2023</a:t>
             </a:fld>
             <a:endParaRPr lang="en-IN"/>
           </a:p>
@@ -1967,7 +1975,7 @@
           <a:p>
             <a:fld id="{A1A5EB61-8695-411E-B34E-8ACE6990C90B}" type="datetimeFigureOut">
               <a:rPr lang="en-IN" smtClean="0"/>
-              <a:t>12-02-2023</a:t>
+              <a:t>13-02-2023</a:t>
             </a:fld>
             <a:endParaRPr lang="en-IN"/>
           </a:p>
@@ -2080,7 +2088,7 @@
           <a:p>
             <a:fld id="{A1A5EB61-8695-411E-B34E-8ACE6990C90B}" type="datetimeFigureOut">
               <a:rPr lang="en-IN" smtClean="0"/>
-              <a:t>12-02-2023</a:t>
+              <a:t>13-02-2023</a:t>
             </a:fld>
             <a:endParaRPr lang="en-IN"/>
           </a:p>
@@ -2393,7 +2401,7 @@
           <a:p>
             <a:fld id="{A1A5EB61-8695-411E-B34E-8ACE6990C90B}" type="datetimeFigureOut">
               <a:rPr lang="en-IN" smtClean="0"/>
-              <a:t>12-02-2023</a:t>
+              <a:t>13-02-2023</a:t>
             </a:fld>
             <a:endParaRPr lang="en-IN"/>
           </a:p>
@@ -2682,7 +2690,7 @@
           <a:p>
             <a:fld id="{A1A5EB61-8695-411E-B34E-8ACE6990C90B}" type="datetimeFigureOut">
               <a:rPr lang="en-IN" smtClean="0"/>
-              <a:t>12-02-2023</a:t>
+              <a:t>13-02-2023</a:t>
             </a:fld>
             <a:endParaRPr lang="en-IN"/>
           </a:p>
@@ -2925,7 +2933,7 @@
           <a:p>
             <a:fld id="{A1A5EB61-8695-411E-B34E-8ACE6990C90B}" type="datetimeFigureOut">
               <a:rPr lang="en-IN" smtClean="0"/>
-              <a:t>12-02-2023</a:t>
+              <a:t>13-02-2023</a:t>
             </a:fld>
             <a:endParaRPr lang="en-IN"/>
           </a:p>
@@ -3600,6 +3608,2019 @@
 </p:sld>
 </file>
 
+<file path=ppt/slides/slide2.xml><?xml version="1.0" encoding="utf-8"?>
+<p:sld xmlns:a="http://schemas.openxmlformats.org/drawingml/2006/main" xmlns:r="http://schemas.openxmlformats.org/officeDocument/2006/relationships" xmlns:p="http://schemas.openxmlformats.org/presentationml/2006/main">
+  <p:cSld>
+    <p:spTree>
+      <p:nvGrpSpPr>
+        <p:cNvPr id="1" name=""/>
+        <p:cNvGrpSpPr/>
+        <p:nvPr/>
+      </p:nvGrpSpPr>
+      <p:grpSpPr>
+        <a:xfrm>
+          <a:off x="0" y="0"/>
+          <a:ext cx="0" cy="0"/>
+          <a:chOff x="0" y="0"/>
+          <a:chExt cx="0" cy="0"/>
+        </a:xfrm>
+      </p:grpSpPr>
+      <p:sp>
+        <p:nvSpPr>
+          <p:cNvPr id="2" name="Title 1">
+            <a:extLst>
+              <a:ext uri="{FF2B5EF4-FFF2-40B4-BE49-F238E27FC236}">
+                <a16:creationId xmlns:a16="http://schemas.microsoft.com/office/drawing/2014/main" id="{63AB6956-BA1D-1E84-94D3-79473FB70165}"/>
+              </a:ext>
+            </a:extLst>
+          </p:cNvPr>
+          <p:cNvSpPr>
+            <a:spLocks noGrp="1"/>
+          </p:cNvSpPr>
+          <p:nvPr>
+            <p:ph type="title"/>
+          </p:nvPr>
+        </p:nvSpPr>
+        <p:spPr/>
+        <p:txBody>
+          <a:bodyPr/>
+          <a:lstStyle/>
+          <a:p>
+            <a:r>
+              <a:rPr lang="en-US" dirty="0"/>
+              <a:t>The Neuron</a:t>
+            </a:r>
+            <a:endParaRPr lang="en-IN" dirty="0"/>
+          </a:p>
+        </p:txBody>
+      </p:sp>
+      <p:sp>
+        <p:nvSpPr>
+          <p:cNvPr id="3" name="Content Placeholder 2">
+            <a:extLst>
+              <a:ext uri="{FF2B5EF4-FFF2-40B4-BE49-F238E27FC236}">
+                <a16:creationId xmlns:a16="http://schemas.microsoft.com/office/drawing/2014/main" id="{1F1F36C7-2A4C-F7CC-DB7B-9F79FF92C597}"/>
+              </a:ext>
+            </a:extLst>
+          </p:cNvPr>
+          <p:cNvSpPr>
+            <a:spLocks noGrp="1"/>
+          </p:cNvSpPr>
+          <p:nvPr>
+            <p:ph idx="1"/>
+          </p:nvPr>
+        </p:nvSpPr>
+        <p:spPr/>
+        <p:txBody>
+          <a:bodyPr/>
+          <a:lstStyle/>
+          <a:p>
+            <a:r>
+              <a:rPr lang="en-US" dirty="0"/>
+              <a:t>Linear Regression for regression - Line of Best Fit</a:t>
+            </a:r>
+          </a:p>
+          <a:p>
+            <a:r>
+              <a:rPr lang="en-US" dirty="0"/>
+              <a:t>Logistic Regression for classification</a:t>
+            </a:r>
+            <a:endParaRPr lang="en-IN" dirty="0"/>
+          </a:p>
+        </p:txBody>
+      </p:sp>
+      <p:grpSp>
+        <p:nvGrpSpPr>
+          <p:cNvPr id="4" name="Group 3">
+            <a:extLst>
+              <a:ext uri="{FF2B5EF4-FFF2-40B4-BE49-F238E27FC236}">
+                <a16:creationId xmlns:a16="http://schemas.microsoft.com/office/drawing/2014/main" id="{B04DC4A1-383A-C3C3-8740-E40AA0D6B4F1}"/>
+              </a:ext>
+            </a:extLst>
+          </p:cNvPr>
+          <p:cNvGrpSpPr/>
+          <p:nvPr/>
+        </p:nvGrpSpPr>
+        <p:grpSpPr>
+          <a:xfrm>
+            <a:off x="474562" y="185195"/>
+            <a:ext cx="11220727" cy="6197559"/>
+            <a:chOff x="891822" y="643181"/>
+            <a:chExt cx="10803467" cy="5739573"/>
+          </a:xfrm>
+        </p:grpSpPr>
+        <p:cxnSp>
+          <p:nvCxnSpPr>
+            <p:cNvPr id="5" name="Straight Connector 4">
+              <a:extLst>
+                <a:ext uri="{FF2B5EF4-FFF2-40B4-BE49-F238E27FC236}">
+                  <a16:creationId xmlns:a16="http://schemas.microsoft.com/office/drawing/2014/main" id="{AFE633E5-0C6C-98D5-BFD2-A2D973862F0A}"/>
+                </a:ext>
+              </a:extLst>
+            </p:cNvPr>
+            <p:cNvCxnSpPr>
+              <a:cxnSpLocks/>
+            </p:cNvCxnSpPr>
+            <p:nvPr/>
+          </p:nvCxnSpPr>
+          <p:spPr>
+            <a:xfrm>
+              <a:off x="891822" y="654756"/>
+              <a:ext cx="5204178" cy="0"/>
+            </a:xfrm>
+            <a:prstGeom prst="line">
+              <a:avLst/>
+            </a:prstGeom>
+            <a:ln w="73025">
+              <a:solidFill>
+                <a:schemeClr val="accent2"/>
+              </a:solidFill>
+            </a:ln>
+          </p:spPr>
+          <p:style>
+            <a:lnRef idx="1">
+              <a:schemeClr val="accent1"/>
+            </a:lnRef>
+            <a:fillRef idx="0">
+              <a:schemeClr val="accent1"/>
+            </a:fillRef>
+            <a:effectRef idx="0">
+              <a:schemeClr val="accent1"/>
+            </a:effectRef>
+            <a:fontRef idx="minor">
+              <a:schemeClr val="tx1"/>
+            </a:fontRef>
+          </p:style>
+        </p:cxnSp>
+        <p:cxnSp>
+          <p:nvCxnSpPr>
+            <p:cNvPr id="6" name="Straight Connector 5">
+              <a:extLst>
+                <a:ext uri="{FF2B5EF4-FFF2-40B4-BE49-F238E27FC236}">
+                  <a16:creationId xmlns:a16="http://schemas.microsoft.com/office/drawing/2014/main" id="{9185BF7B-4D57-6034-9FFD-8799542D28B5}"/>
+                </a:ext>
+              </a:extLst>
+            </p:cNvPr>
+            <p:cNvCxnSpPr>
+              <a:cxnSpLocks/>
+            </p:cNvCxnSpPr>
+            <p:nvPr/>
+          </p:nvCxnSpPr>
+          <p:spPr>
+            <a:xfrm>
+              <a:off x="903397" y="643181"/>
+              <a:ext cx="0" cy="2958857"/>
+            </a:xfrm>
+            <a:prstGeom prst="line">
+              <a:avLst/>
+            </a:prstGeom>
+            <a:ln w="73025">
+              <a:solidFill>
+                <a:schemeClr val="accent2"/>
+              </a:solidFill>
+            </a:ln>
+          </p:spPr>
+          <p:style>
+            <a:lnRef idx="1">
+              <a:schemeClr val="accent1"/>
+            </a:lnRef>
+            <a:fillRef idx="0">
+              <a:schemeClr val="accent1"/>
+            </a:fillRef>
+            <a:effectRef idx="0">
+              <a:schemeClr val="accent1"/>
+            </a:effectRef>
+            <a:fontRef idx="minor">
+              <a:schemeClr val="tx1"/>
+            </a:fontRef>
+          </p:style>
+        </p:cxnSp>
+        <p:cxnSp>
+          <p:nvCxnSpPr>
+            <p:cNvPr id="7" name="Straight Connector 6">
+              <a:extLst>
+                <a:ext uri="{FF2B5EF4-FFF2-40B4-BE49-F238E27FC236}">
+                  <a16:creationId xmlns:a16="http://schemas.microsoft.com/office/drawing/2014/main" id="{50064F4D-170D-8A2F-4327-BF3D2094991D}"/>
+                </a:ext>
+              </a:extLst>
+            </p:cNvPr>
+            <p:cNvCxnSpPr/>
+            <p:nvPr/>
+          </p:nvCxnSpPr>
+          <p:spPr>
+            <a:xfrm rot="10800000">
+              <a:off x="6096000" y="6371179"/>
+              <a:ext cx="5599289" cy="0"/>
+            </a:xfrm>
+            <a:prstGeom prst="line">
+              <a:avLst/>
+            </a:prstGeom>
+            <a:ln w="73025">
+              <a:solidFill>
+                <a:schemeClr val="accent2"/>
+              </a:solidFill>
+            </a:ln>
+          </p:spPr>
+          <p:style>
+            <a:lnRef idx="1">
+              <a:schemeClr val="accent1"/>
+            </a:lnRef>
+            <a:fillRef idx="0">
+              <a:schemeClr val="accent1"/>
+            </a:fillRef>
+            <a:effectRef idx="0">
+              <a:schemeClr val="accent1"/>
+            </a:effectRef>
+            <a:fontRef idx="minor">
+              <a:schemeClr val="tx1"/>
+            </a:fontRef>
+          </p:style>
+        </p:cxnSp>
+        <p:cxnSp>
+          <p:nvCxnSpPr>
+            <p:cNvPr id="8" name="Straight Connector 7">
+              <a:extLst>
+                <a:ext uri="{FF2B5EF4-FFF2-40B4-BE49-F238E27FC236}">
+                  <a16:creationId xmlns:a16="http://schemas.microsoft.com/office/drawing/2014/main" id="{3568750D-9E48-9D2C-2DFB-8B37EB4784AC}"/>
+                </a:ext>
+              </a:extLst>
+            </p:cNvPr>
+            <p:cNvCxnSpPr>
+              <a:cxnSpLocks/>
+            </p:cNvCxnSpPr>
+            <p:nvPr/>
+          </p:nvCxnSpPr>
+          <p:spPr>
+            <a:xfrm flipV="1">
+              <a:off x="11683713" y="3602038"/>
+              <a:ext cx="1" cy="2780716"/>
+            </a:xfrm>
+            <a:prstGeom prst="line">
+              <a:avLst/>
+            </a:prstGeom>
+            <a:ln w="73025">
+              <a:solidFill>
+                <a:schemeClr val="accent2"/>
+              </a:solidFill>
+            </a:ln>
+          </p:spPr>
+          <p:style>
+            <a:lnRef idx="1">
+              <a:schemeClr val="accent1"/>
+            </a:lnRef>
+            <a:fillRef idx="0">
+              <a:schemeClr val="accent1"/>
+            </a:fillRef>
+            <a:effectRef idx="0">
+              <a:schemeClr val="accent1"/>
+            </a:effectRef>
+            <a:fontRef idx="minor">
+              <a:schemeClr val="tx1"/>
+            </a:fontRef>
+          </p:style>
+        </p:cxnSp>
+      </p:grpSp>
+      <p:pic>
+        <p:nvPicPr>
+          <p:cNvPr id="9" name="Picture 8">
+            <a:extLst>
+              <a:ext uri="{FF2B5EF4-FFF2-40B4-BE49-F238E27FC236}">
+                <a16:creationId xmlns:a16="http://schemas.microsoft.com/office/drawing/2014/main" id="{0941D18D-8EC1-4016-0D05-63FE429BE728}"/>
+              </a:ext>
+            </a:extLst>
+          </p:cNvPr>
+          <p:cNvPicPr>
+            <a:picLocks noChangeAspect="1"/>
+          </p:cNvPicPr>
+          <p:nvPr/>
+        </p:nvPicPr>
+        <p:blipFill>
+          <a:blip r:embed="rId2"/>
+          <a:stretch>
+            <a:fillRect/>
+          </a:stretch>
+        </p:blipFill>
+        <p:spPr>
+          <a:xfrm>
+            <a:off x="6886936" y="2258462"/>
+            <a:ext cx="3407804" cy="2341075"/>
+          </a:xfrm>
+          <a:prstGeom prst="rect">
+            <a:avLst/>
+          </a:prstGeom>
+        </p:spPr>
+      </p:pic>
+      <mc:AlternateContent xmlns:mc="http://schemas.openxmlformats.org/markup-compatibility/2006">
+        <mc:Choice xmlns:a14="http://schemas.microsoft.com/office/drawing/2010/main" Requires="a14">
+          <p:sp>
+            <p:nvSpPr>
+              <p:cNvPr id="10" name="TextBox 9">
+                <a:extLst>
+                  <a:ext uri="{FF2B5EF4-FFF2-40B4-BE49-F238E27FC236}">
+                    <a16:creationId xmlns:a16="http://schemas.microsoft.com/office/drawing/2014/main" id="{60E796AA-8143-3E63-2691-511149A93872}"/>
+                  </a:ext>
+                </a:extLst>
+              </p:cNvPr>
+              <p:cNvSpPr txBox="1"/>
+              <p:nvPr/>
+            </p:nvSpPr>
+            <p:spPr>
+              <a:xfrm>
+                <a:off x="9025432" y="3902783"/>
+                <a:ext cx="2857898" cy="615553"/>
+              </a:xfrm>
+              <a:prstGeom prst="rect">
+                <a:avLst/>
+              </a:prstGeom>
+              <a:noFill/>
+            </p:spPr>
+            <p:txBody>
+              <a:bodyPr wrap="none" lIns="0" tIns="0" rIns="0" bIns="0" rtlCol="0">
+                <a:spAutoFit/>
+              </a:bodyPr>
+              <a:lstStyle/>
+              <a:p>
+                <a:r>
+                  <a:rPr lang="en-IN" sz="4000" dirty="0"/>
+                  <a:t>y^ </a:t>
+                </a:r>
+                <a14:m>
+                  <m:oMath xmlns:m="http://schemas.openxmlformats.org/officeDocument/2006/math">
+                    <m:r>
+                      <a:rPr lang="en-IN" sz="4000" i="1" smtClean="0">
+                        <a:latin typeface="Cambria Math" panose="02040503050406030204" pitchFamily="18" charset="0"/>
+                      </a:rPr>
+                      <m:t>=</m:t>
+                    </m:r>
+                    <m:r>
+                      <a:rPr lang="en-US" sz="4000" b="0" i="1" smtClean="0">
+                        <a:latin typeface="Cambria Math" panose="02040503050406030204" pitchFamily="18" charset="0"/>
+                      </a:rPr>
+                      <m:t>𝑚𝑥</m:t>
+                    </m:r>
+                    <m:r>
+                      <a:rPr lang="en-US" sz="4000" b="0" i="1" smtClean="0">
+                        <a:latin typeface="Cambria Math" panose="02040503050406030204" pitchFamily="18" charset="0"/>
+                      </a:rPr>
+                      <m:t>+ </m:t>
+                    </m:r>
+                    <m:r>
+                      <a:rPr lang="en-US" sz="4000" b="0" i="1" smtClean="0">
+                        <a:latin typeface="Cambria Math" panose="02040503050406030204" pitchFamily="18" charset="0"/>
+                      </a:rPr>
+                      <m:t>𝑏</m:t>
+                    </m:r>
+                  </m:oMath>
+                </a14:m>
+                <a:endParaRPr lang="en-IN" sz="4000" dirty="0"/>
+              </a:p>
+            </p:txBody>
+          </p:sp>
+        </mc:Choice>
+        <mc:Fallback>
+          <p:sp>
+            <p:nvSpPr>
+              <p:cNvPr id="10" name="TextBox 9">
+                <a:extLst>
+                  <a:ext uri="{FF2B5EF4-FFF2-40B4-BE49-F238E27FC236}">
+                    <a16:creationId xmlns:a16="http://schemas.microsoft.com/office/drawing/2014/main" id="{60E796AA-8143-3E63-2691-511149A93872}"/>
+                  </a:ext>
+                </a:extLst>
+              </p:cNvPr>
+              <p:cNvSpPr txBox="1">
+                <a:spLocks noRot="1" noChangeAspect="1" noMove="1" noResize="1" noEditPoints="1" noAdjustHandles="1" noChangeArrowheads="1" noChangeShapeType="1" noTextEdit="1"/>
+              </p:cNvSpPr>
+              <p:nvPr/>
+            </p:nvSpPr>
+            <p:spPr>
+              <a:xfrm>
+                <a:off x="9025432" y="3902783"/>
+                <a:ext cx="2857898" cy="615553"/>
+              </a:xfrm>
+              <a:prstGeom prst="rect">
+                <a:avLst/>
+              </a:prstGeom>
+              <a:blipFill>
+                <a:blip r:embed="rId3"/>
+                <a:stretch>
+                  <a:fillRect l="-10897" t="-24752" b="-49505"/>
+                </a:stretch>
+              </a:blipFill>
+            </p:spPr>
+            <p:txBody>
+              <a:bodyPr/>
+              <a:lstStyle/>
+              <a:p>
+                <a:r>
+                  <a:rPr lang="en-IN">
+                    <a:noFill/>
+                  </a:rPr>
+                  <a:t> </a:t>
+                </a:r>
+              </a:p>
+            </p:txBody>
+          </p:sp>
+        </mc:Fallback>
+      </mc:AlternateContent>
+      <mc:AlternateContent xmlns:mc="http://schemas.openxmlformats.org/markup-compatibility/2006">
+        <mc:Choice xmlns:a14="http://schemas.microsoft.com/office/drawing/2010/main" Requires="a14">
+          <p:sp>
+            <p:nvSpPr>
+              <p:cNvPr id="11" name="TextBox 10">
+                <a:extLst>
+                  <a:ext uri="{FF2B5EF4-FFF2-40B4-BE49-F238E27FC236}">
+                    <a16:creationId xmlns:a16="http://schemas.microsoft.com/office/drawing/2014/main" id="{1EA252A7-7F12-B8CE-D693-271DE39B025C}"/>
+                  </a:ext>
+                </a:extLst>
+              </p:cNvPr>
+              <p:cNvSpPr txBox="1"/>
+              <p:nvPr/>
+            </p:nvSpPr>
+            <p:spPr>
+              <a:xfrm>
+                <a:off x="407680" y="5080473"/>
+                <a:ext cx="7418826" cy="615553"/>
+              </a:xfrm>
+              <a:prstGeom prst="rect">
+                <a:avLst/>
+              </a:prstGeom>
+              <a:noFill/>
+            </p:spPr>
+            <p:txBody>
+              <a:bodyPr wrap="none" lIns="0" tIns="0" rIns="0" bIns="0" rtlCol="0">
+                <a:spAutoFit/>
+              </a:bodyPr>
+              <a:lstStyle/>
+              <a:p>
+                <a:r>
+                  <a:rPr lang="en-IN" sz="4000" dirty="0"/>
+                  <a:t>y^ </a:t>
+                </a:r>
+                <a14:m>
+                  <m:oMath xmlns:m="http://schemas.openxmlformats.org/officeDocument/2006/math">
+                    <m:r>
+                      <a:rPr lang="en-IN" sz="4000" i="1" smtClean="0">
+                        <a:latin typeface="Cambria Math" panose="02040503050406030204" pitchFamily="18" charset="0"/>
+                      </a:rPr>
+                      <m:t>=</m:t>
+                    </m:r>
+                    <m:r>
+                      <a:rPr lang="en-US" sz="4000" b="0" i="1" smtClean="0">
+                        <a:latin typeface="Cambria Math" panose="02040503050406030204" pitchFamily="18" charset="0"/>
+                      </a:rPr>
+                      <m:t>𝑤</m:t>
+                    </m:r>
+                    <m:r>
+                      <a:rPr lang="en-US" sz="4000" b="0" i="1" baseline="-25000" smtClean="0">
+                        <a:latin typeface="Cambria Math" panose="02040503050406030204" pitchFamily="18" charset="0"/>
+                      </a:rPr>
+                      <m:t>1</m:t>
+                    </m:r>
+                    <m:r>
+                      <a:rPr lang="en-US" sz="4000" b="0" i="1" smtClean="0">
+                        <a:latin typeface="Cambria Math" panose="02040503050406030204" pitchFamily="18" charset="0"/>
+                      </a:rPr>
+                      <m:t>𝑥</m:t>
+                    </m:r>
+                    <m:r>
+                      <a:rPr lang="en-US" sz="4000" b="0" i="1" baseline="-25000" smtClean="0">
+                        <a:latin typeface="Cambria Math" panose="02040503050406030204" pitchFamily="18" charset="0"/>
+                      </a:rPr>
+                      <m:t>1</m:t>
+                    </m:r>
+                    <m:r>
+                      <a:rPr lang="en-US" sz="4000" b="0" i="1" smtClean="0">
+                        <a:latin typeface="Cambria Math" panose="02040503050406030204" pitchFamily="18" charset="0"/>
+                      </a:rPr>
+                      <m:t>+</m:t>
+                    </m:r>
+                    <m:r>
+                      <a:rPr lang="en-US" sz="4000" b="0" i="1" smtClean="0">
+                        <a:latin typeface="Cambria Math" panose="02040503050406030204" pitchFamily="18" charset="0"/>
+                      </a:rPr>
+                      <m:t>𝑤</m:t>
+                    </m:r>
+                    <m:r>
+                      <a:rPr lang="en-US" sz="4000" b="0" i="1" baseline="-25000" smtClean="0">
+                        <a:latin typeface="Cambria Math" panose="02040503050406030204" pitchFamily="18" charset="0"/>
+                      </a:rPr>
+                      <m:t>2</m:t>
+                    </m:r>
+                    <m:r>
+                      <a:rPr lang="en-US" sz="4000" b="0" i="1" smtClean="0">
+                        <a:latin typeface="Cambria Math" panose="02040503050406030204" pitchFamily="18" charset="0"/>
+                      </a:rPr>
+                      <m:t>𝑥</m:t>
+                    </m:r>
+                    <m:r>
+                      <a:rPr lang="en-US" sz="4000" b="0" i="1" baseline="-25000" smtClean="0">
+                        <a:latin typeface="Cambria Math" panose="02040503050406030204" pitchFamily="18" charset="0"/>
+                      </a:rPr>
+                      <m:t>2</m:t>
+                    </m:r>
+                    <m:r>
+                      <a:rPr lang="en-US" sz="4000" b="0" i="1" smtClean="0">
+                        <a:latin typeface="Cambria Math" panose="02040503050406030204" pitchFamily="18" charset="0"/>
+                      </a:rPr>
+                      <m:t>+</m:t>
+                    </m:r>
+                    <m:r>
+                      <a:rPr lang="en-US" sz="4000" b="0" i="1" smtClean="0">
+                        <a:latin typeface="Cambria Math" panose="02040503050406030204" pitchFamily="18" charset="0"/>
+                      </a:rPr>
+                      <m:t>𝑤</m:t>
+                    </m:r>
+                    <m:r>
+                      <a:rPr lang="en-US" sz="4000" b="0" i="1" baseline="-25000" smtClean="0">
+                        <a:latin typeface="Cambria Math" panose="02040503050406030204" pitchFamily="18" charset="0"/>
+                      </a:rPr>
+                      <m:t>3</m:t>
+                    </m:r>
+                    <m:r>
+                      <a:rPr lang="en-US" sz="4000" b="0" i="1" smtClean="0">
+                        <a:latin typeface="Cambria Math" panose="02040503050406030204" pitchFamily="18" charset="0"/>
+                      </a:rPr>
+                      <m:t>𝑥</m:t>
+                    </m:r>
+                    <m:r>
+                      <a:rPr lang="en-US" sz="4000" b="0" i="1" baseline="-25000" smtClean="0">
+                        <a:latin typeface="Cambria Math" panose="02040503050406030204" pitchFamily="18" charset="0"/>
+                      </a:rPr>
+                      <m:t>3</m:t>
+                    </m:r>
+                    <m:r>
+                      <a:rPr lang="en-US" sz="4000" b="0" i="1" smtClean="0">
+                        <a:latin typeface="Cambria Math" panose="02040503050406030204" pitchFamily="18" charset="0"/>
+                      </a:rPr>
+                      <m:t>+ …+</m:t>
+                    </m:r>
+                    <m:r>
+                      <a:rPr lang="en-US" sz="4000" b="0" i="1" smtClean="0">
+                        <a:latin typeface="Cambria Math" panose="02040503050406030204" pitchFamily="18" charset="0"/>
+                      </a:rPr>
+                      <m:t>𝑏</m:t>
+                    </m:r>
+                  </m:oMath>
+                </a14:m>
+                <a:endParaRPr lang="en-IN" sz="4000" dirty="0"/>
+              </a:p>
+            </p:txBody>
+          </p:sp>
+        </mc:Choice>
+        <mc:Fallback>
+          <p:sp>
+            <p:nvSpPr>
+              <p:cNvPr id="11" name="TextBox 10">
+                <a:extLst>
+                  <a:ext uri="{FF2B5EF4-FFF2-40B4-BE49-F238E27FC236}">
+                    <a16:creationId xmlns:a16="http://schemas.microsoft.com/office/drawing/2014/main" id="{1EA252A7-7F12-B8CE-D693-271DE39B025C}"/>
+                  </a:ext>
+                </a:extLst>
+              </p:cNvPr>
+              <p:cNvSpPr txBox="1">
+                <a:spLocks noRot="1" noChangeAspect="1" noMove="1" noResize="1" noEditPoints="1" noAdjustHandles="1" noChangeArrowheads="1" noChangeShapeType="1" noTextEdit="1"/>
+              </p:cNvSpPr>
+              <p:nvPr/>
+            </p:nvSpPr>
+            <p:spPr>
+              <a:xfrm>
+                <a:off x="407680" y="5080473"/>
+                <a:ext cx="7418826" cy="615553"/>
+              </a:xfrm>
+              <a:prstGeom prst="rect">
+                <a:avLst/>
+              </a:prstGeom>
+              <a:blipFill>
+                <a:blip r:embed="rId4"/>
+                <a:stretch>
+                  <a:fillRect l="-4191" t="-24752" b="-49505"/>
+                </a:stretch>
+              </a:blipFill>
+            </p:spPr>
+            <p:txBody>
+              <a:bodyPr/>
+              <a:lstStyle/>
+              <a:p>
+                <a:r>
+                  <a:rPr lang="en-IN">
+                    <a:noFill/>
+                  </a:rPr>
+                  <a:t> </a:t>
+                </a:r>
+              </a:p>
+            </p:txBody>
+          </p:sp>
+        </mc:Fallback>
+      </mc:AlternateContent>
+      <p:sp>
+        <p:nvSpPr>
+          <p:cNvPr id="12" name="TextBox 11">
+            <a:extLst>
+              <a:ext uri="{FF2B5EF4-FFF2-40B4-BE49-F238E27FC236}">
+                <a16:creationId xmlns:a16="http://schemas.microsoft.com/office/drawing/2014/main" id="{D1E9B704-71A9-3472-E6B1-CEF413A7B183}"/>
+              </a:ext>
+            </a:extLst>
+          </p:cNvPr>
+          <p:cNvSpPr txBox="1"/>
+          <p:nvPr/>
+        </p:nvSpPr>
+        <p:spPr>
+          <a:xfrm>
+            <a:off x="2000446" y="5719611"/>
+            <a:ext cx="2692147" cy="369332"/>
+          </a:xfrm>
+          <a:prstGeom prst="rect">
+            <a:avLst/>
+          </a:prstGeom>
+          <a:noFill/>
+        </p:spPr>
+        <p:txBody>
+          <a:bodyPr wrap="none" rtlCol="0">
+            <a:spAutoFit/>
+          </a:bodyPr>
+          <a:lstStyle/>
+          <a:p>
+            <a:r>
+              <a:rPr lang="en-US" dirty="0"/>
+              <a:t>For multiple input features</a:t>
+            </a:r>
+            <a:endParaRPr lang="en-IN" dirty="0"/>
+          </a:p>
+        </p:txBody>
+      </p:sp>
+    </p:spTree>
+    <p:extLst>
+      <p:ext uri="{BB962C8B-B14F-4D97-AF65-F5344CB8AC3E}">
+        <p14:creationId xmlns:p14="http://schemas.microsoft.com/office/powerpoint/2010/main" val="1200493743"/>
+      </p:ext>
+    </p:extLst>
+  </p:cSld>
+  <p:clrMapOvr>
+    <a:masterClrMapping/>
+  </p:clrMapOvr>
+</p:sld>
+</file>
+
+<file path=ppt/slides/slide3.xml><?xml version="1.0" encoding="utf-8"?>
+<p:sld xmlns:a="http://schemas.openxmlformats.org/drawingml/2006/main" xmlns:r="http://schemas.openxmlformats.org/officeDocument/2006/relationships" xmlns:p="http://schemas.openxmlformats.org/presentationml/2006/main">
+  <p:cSld>
+    <p:spTree>
+      <p:nvGrpSpPr>
+        <p:cNvPr id="1" name=""/>
+        <p:cNvGrpSpPr/>
+        <p:nvPr/>
+      </p:nvGrpSpPr>
+      <p:grpSpPr>
+        <a:xfrm>
+          <a:off x="0" y="0"/>
+          <a:ext cx="0" cy="0"/>
+          <a:chOff x="0" y="0"/>
+          <a:chExt cx="0" cy="0"/>
+        </a:xfrm>
+      </p:grpSpPr>
+      <p:sp>
+        <p:nvSpPr>
+          <p:cNvPr id="2" name="Title 1">
+            <a:extLst>
+              <a:ext uri="{FF2B5EF4-FFF2-40B4-BE49-F238E27FC236}">
+                <a16:creationId xmlns:a16="http://schemas.microsoft.com/office/drawing/2014/main" id="{84358FE0-E394-7479-0CBC-2F7ED290CC76}"/>
+              </a:ext>
+            </a:extLst>
+          </p:cNvPr>
+          <p:cNvSpPr>
+            <a:spLocks noGrp="1"/>
+          </p:cNvSpPr>
+          <p:nvPr>
+            <p:ph type="title"/>
+          </p:nvPr>
+        </p:nvSpPr>
+        <p:spPr/>
+        <p:txBody>
+          <a:bodyPr/>
+          <a:lstStyle/>
+          <a:p>
+            <a:r>
+              <a:rPr lang="en-US" dirty="0"/>
+              <a:t>Classification vs. Regression</a:t>
+            </a:r>
+            <a:endParaRPr lang="en-IN" dirty="0"/>
+          </a:p>
+        </p:txBody>
+      </p:sp>
+      <p:sp>
+        <p:nvSpPr>
+          <p:cNvPr id="3" name="Text Placeholder 2">
+            <a:extLst>
+              <a:ext uri="{FF2B5EF4-FFF2-40B4-BE49-F238E27FC236}">
+                <a16:creationId xmlns:a16="http://schemas.microsoft.com/office/drawing/2014/main" id="{31521DDF-767D-DF4B-49AA-77E3DE210415}"/>
+              </a:ext>
+            </a:extLst>
+          </p:cNvPr>
+          <p:cNvSpPr>
+            <a:spLocks noGrp="1"/>
+          </p:cNvSpPr>
+          <p:nvPr>
+            <p:ph type="body" idx="1"/>
+          </p:nvPr>
+        </p:nvSpPr>
+        <p:spPr/>
+        <p:txBody>
+          <a:bodyPr/>
+          <a:lstStyle/>
+          <a:p>
+            <a:r>
+              <a:rPr lang="en-US" dirty="0"/>
+              <a:t>Classification</a:t>
+            </a:r>
+            <a:endParaRPr lang="en-IN" dirty="0"/>
+          </a:p>
+        </p:txBody>
+      </p:sp>
+      <mc:AlternateContent xmlns:mc="http://schemas.openxmlformats.org/markup-compatibility/2006">
+        <mc:Choice xmlns:a14="http://schemas.microsoft.com/office/drawing/2010/main" Requires="a14">
+          <p:sp>
+            <p:nvSpPr>
+              <p:cNvPr id="4" name="Content Placeholder 3">
+                <a:extLst>
+                  <a:ext uri="{FF2B5EF4-FFF2-40B4-BE49-F238E27FC236}">
+                    <a16:creationId xmlns:a16="http://schemas.microsoft.com/office/drawing/2014/main" id="{99EE1F41-14F8-925E-16BE-083DB6732AE0}"/>
+                  </a:ext>
+                </a:extLst>
+              </p:cNvPr>
+              <p:cNvSpPr>
+                <a:spLocks noGrp="1"/>
+              </p:cNvSpPr>
+              <p:nvPr>
+                <p:ph sz="half" idx="2"/>
+              </p:nvPr>
+            </p:nvSpPr>
+            <p:spPr/>
+            <p:txBody>
+              <a:bodyPr/>
+              <a:lstStyle/>
+              <a:p>
+                <a:r>
+                  <a:rPr lang="en-US" dirty="0"/>
+                  <a:t>Dense with sigmoid </a:t>
+                </a:r>
+              </a:p>
+              <a:p>
+                <a14:m>
+                  <m:oMath xmlns:m="http://schemas.openxmlformats.org/officeDocument/2006/math">
+                    <m:r>
+                      <a:rPr lang="en-US" b="0" i="1" smtClean="0">
+                        <a:latin typeface="Cambria Math" panose="02040503050406030204" pitchFamily="18" charset="0"/>
+                      </a:rPr>
+                      <m:t>𝑠𝑖𝑔𝑚𝑜𝑖𝑑</m:t>
+                    </m:r>
+                    <m:r>
+                      <a:rPr lang="en-IN" i="1" smtClean="0">
+                        <a:latin typeface="Cambria Math" panose="02040503050406030204" pitchFamily="18" charset="0"/>
+                      </a:rPr>
+                      <m:t>=</m:t>
+                    </m:r>
+                    <m:r>
+                      <m:rPr>
+                        <m:sty m:val="p"/>
+                      </m:rPr>
+                      <a:rPr lang="el-GR" i="1" smtClean="0">
+                        <a:latin typeface="Cambria Math" panose="02040503050406030204" pitchFamily="18" charset="0"/>
+                      </a:rPr>
+                      <m:t>σ</m:t>
+                    </m:r>
+                    <m:r>
+                      <a:rPr lang="en-US" b="0" i="1" smtClean="0">
+                        <a:latin typeface="Cambria Math" panose="02040503050406030204" pitchFamily="18" charset="0"/>
+                      </a:rPr>
+                      <m:t>(</m:t>
+                    </m:r>
+                    <m:r>
+                      <a:rPr lang="en-US" b="0" i="1" smtClean="0">
+                        <a:latin typeface="Cambria Math" panose="02040503050406030204" pitchFamily="18" charset="0"/>
+                      </a:rPr>
+                      <m:t>𝑤𝑇</m:t>
+                    </m:r>
+                    <m:r>
+                      <a:rPr lang="en-US" b="0" i="1" smtClean="0">
+                        <a:latin typeface="Cambria Math" panose="02040503050406030204" pitchFamily="18" charset="0"/>
+                      </a:rPr>
+                      <m:t>𝑥</m:t>
+                    </m:r>
+                    <m:r>
+                      <a:rPr lang="en-US" b="0" i="1" smtClean="0">
+                        <a:latin typeface="Cambria Math" panose="02040503050406030204" pitchFamily="18" charset="0"/>
+                      </a:rPr>
+                      <m:t>+</m:t>
+                    </m:r>
+                    <m:r>
+                      <a:rPr lang="en-US" b="0" i="1" smtClean="0">
+                        <a:latin typeface="Cambria Math" panose="02040503050406030204" pitchFamily="18" charset="0"/>
+                      </a:rPr>
+                      <m:t>𝑏</m:t>
+                    </m:r>
+                    <m:r>
+                      <a:rPr lang="en-US" b="0" i="1" smtClean="0">
+                        <a:latin typeface="Cambria Math" panose="02040503050406030204" pitchFamily="18" charset="0"/>
+                      </a:rPr>
+                      <m:t>)</m:t>
+                    </m:r>
+                  </m:oMath>
+                </a14:m>
+                <a:endParaRPr lang="en-IN" dirty="0"/>
+              </a:p>
+            </p:txBody>
+          </p:sp>
+        </mc:Choice>
+        <mc:Fallback>
+          <p:sp>
+            <p:nvSpPr>
+              <p:cNvPr id="4" name="Content Placeholder 3">
+                <a:extLst>
+                  <a:ext uri="{FF2B5EF4-FFF2-40B4-BE49-F238E27FC236}">
+                    <a16:creationId xmlns:a16="http://schemas.microsoft.com/office/drawing/2014/main" id="{99EE1F41-14F8-925E-16BE-083DB6732AE0}"/>
+                  </a:ext>
+                </a:extLst>
+              </p:cNvPr>
+              <p:cNvSpPr>
+                <a:spLocks noGrp="1" noRot="1" noChangeAspect="1" noMove="1" noResize="1" noEditPoints="1" noAdjustHandles="1" noChangeArrowheads="1" noChangeShapeType="1" noTextEdit="1"/>
+              </p:cNvSpPr>
+              <p:nvPr>
+                <p:ph sz="half" idx="2"/>
+              </p:nvPr>
+            </p:nvSpPr>
+            <p:spPr>
+              <a:blipFill>
+                <a:blip r:embed="rId2"/>
+                <a:stretch>
+                  <a:fillRect l="-2128" t="-2815"/>
+                </a:stretch>
+              </a:blipFill>
+            </p:spPr>
+            <p:txBody>
+              <a:bodyPr/>
+              <a:lstStyle/>
+              <a:p>
+                <a:r>
+                  <a:rPr lang="en-IN">
+                    <a:noFill/>
+                  </a:rPr>
+                  <a:t> </a:t>
+                </a:r>
+              </a:p>
+            </p:txBody>
+          </p:sp>
+        </mc:Fallback>
+      </mc:AlternateContent>
+      <p:sp>
+        <p:nvSpPr>
+          <p:cNvPr id="5" name="Text Placeholder 4">
+            <a:extLst>
+              <a:ext uri="{FF2B5EF4-FFF2-40B4-BE49-F238E27FC236}">
+                <a16:creationId xmlns:a16="http://schemas.microsoft.com/office/drawing/2014/main" id="{8C78570A-C15D-68EC-43A6-9AACD13A0494}"/>
+              </a:ext>
+            </a:extLst>
+          </p:cNvPr>
+          <p:cNvSpPr>
+            <a:spLocks noGrp="1"/>
+          </p:cNvSpPr>
+          <p:nvPr>
+            <p:ph type="body" sz="quarter" idx="3"/>
+          </p:nvPr>
+        </p:nvSpPr>
+        <p:spPr/>
+        <p:txBody>
+          <a:bodyPr/>
+          <a:lstStyle/>
+          <a:p>
+            <a:r>
+              <a:rPr lang="en-US" dirty="0"/>
+              <a:t>Regression</a:t>
+            </a:r>
+            <a:endParaRPr lang="en-IN" dirty="0"/>
+          </a:p>
+        </p:txBody>
+      </p:sp>
+      <mc:AlternateContent xmlns:mc="http://schemas.openxmlformats.org/markup-compatibility/2006">
+        <mc:Choice xmlns:a14="http://schemas.microsoft.com/office/drawing/2010/main" Requires="a14">
+          <p:sp>
+            <p:nvSpPr>
+              <p:cNvPr id="6" name="Content Placeholder 5">
+                <a:extLst>
+                  <a:ext uri="{FF2B5EF4-FFF2-40B4-BE49-F238E27FC236}">
+                    <a16:creationId xmlns:a16="http://schemas.microsoft.com/office/drawing/2014/main" id="{87D8DA1B-9EC3-6F55-D5CA-32A2F7E8B79A}"/>
+                  </a:ext>
+                </a:extLst>
+              </p:cNvPr>
+              <p:cNvSpPr>
+                <a:spLocks noGrp="1"/>
+              </p:cNvSpPr>
+              <p:nvPr>
+                <p:ph sz="quarter" idx="4"/>
+              </p:nvPr>
+            </p:nvSpPr>
+            <p:spPr/>
+            <p:txBody>
+              <a:bodyPr/>
+              <a:lstStyle/>
+              <a:p>
+                <a14:m>
+                  <m:oMath xmlns:m="http://schemas.openxmlformats.org/officeDocument/2006/math">
+                    <m:r>
+                      <m:rPr>
+                        <m:sty m:val="p"/>
+                      </m:rPr>
+                      <a:rPr lang="en-US" b="0" i="0" smtClean="0">
+                        <a:latin typeface="Cambria Math" panose="02040503050406030204" pitchFamily="18" charset="0"/>
+                      </a:rPr>
+                      <m:t>dense</m:t>
+                    </m:r>
+                    <m:r>
+                      <a:rPr lang="en-US" i="1" smtClean="0">
+                        <a:latin typeface="Cambria Math" panose="02040503050406030204" pitchFamily="18" charset="0"/>
+                      </a:rPr>
+                      <m:t>=</m:t>
+                    </m:r>
+                    <m:r>
+                      <a:rPr lang="en-US" b="0" i="1" smtClean="0">
+                        <a:latin typeface="Cambria Math" panose="02040503050406030204" pitchFamily="18" charset="0"/>
+                      </a:rPr>
+                      <m:t>𝑤</m:t>
+                    </m:r>
+                    <m:r>
+                      <a:rPr lang="en-US" b="0" i="1" baseline="30000" smtClean="0">
+                        <a:latin typeface="Cambria Math" panose="02040503050406030204" pitchFamily="18" charset="0"/>
+                      </a:rPr>
+                      <m:t>𝑇</m:t>
+                    </m:r>
+                    <m:r>
+                      <a:rPr lang="en-US" b="0" i="1" smtClean="0">
+                        <a:latin typeface="Cambria Math" panose="02040503050406030204" pitchFamily="18" charset="0"/>
+                      </a:rPr>
+                      <m:t>𝑥</m:t>
+                    </m:r>
+                    <m:r>
+                      <a:rPr lang="en-US" b="0" i="1" smtClean="0">
+                        <a:latin typeface="Cambria Math" panose="02040503050406030204" pitchFamily="18" charset="0"/>
+                      </a:rPr>
+                      <m:t>+</m:t>
+                    </m:r>
+                    <m:r>
+                      <a:rPr lang="en-US" b="0" i="1" smtClean="0">
+                        <a:latin typeface="Cambria Math" panose="02040503050406030204" pitchFamily="18" charset="0"/>
+                      </a:rPr>
+                      <m:t>𝑏</m:t>
+                    </m:r>
+                  </m:oMath>
+                </a14:m>
+                <a:endParaRPr lang="en-IN" dirty="0"/>
+              </a:p>
+            </p:txBody>
+          </p:sp>
+        </mc:Choice>
+        <mc:Fallback>
+          <p:sp>
+            <p:nvSpPr>
+              <p:cNvPr id="6" name="Content Placeholder 5">
+                <a:extLst>
+                  <a:ext uri="{FF2B5EF4-FFF2-40B4-BE49-F238E27FC236}">
+                    <a16:creationId xmlns:a16="http://schemas.microsoft.com/office/drawing/2014/main" id="{87D8DA1B-9EC3-6F55-D5CA-32A2F7E8B79A}"/>
+                  </a:ext>
+                </a:extLst>
+              </p:cNvPr>
+              <p:cNvSpPr>
+                <a:spLocks noGrp="1" noRot="1" noChangeAspect="1" noMove="1" noResize="1" noEditPoints="1" noAdjustHandles="1" noChangeArrowheads="1" noChangeShapeType="1" noTextEdit="1"/>
+              </p:cNvSpPr>
+              <p:nvPr>
+                <p:ph sz="quarter" idx="4"/>
+              </p:nvPr>
+            </p:nvSpPr>
+            <p:spPr>
+              <a:blipFill>
+                <a:blip r:embed="rId3"/>
+                <a:stretch>
+                  <a:fillRect/>
+                </a:stretch>
+              </a:blipFill>
+            </p:spPr>
+            <p:txBody>
+              <a:bodyPr/>
+              <a:lstStyle/>
+              <a:p>
+                <a:r>
+                  <a:rPr lang="en-IN">
+                    <a:noFill/>
+                  </a:rPr>
+                  <a:t> </a:t>
+                </a:r>
+              </a:p>
+            </p:txBody>
+          </p:sp>
+        </mc:Fallback>
+      </mc:AlternateContent>
+      <p:pic>
+        <p:nvPicPr>
+          <p:cNvPr id="8" name="Picture 7">
+            <a:extLst>
+              <a:ext uri="{FF2B5EF4-FFF2-40B4-BE49-F238E27FC236}">
+                <a16:creationId xmlns:a16="http://schemas.microsoft.com/office/drawing/2014/main" id="{5D53FBFF-4796-5A8F-B761-D0CB2885CCD2}"/>
+              </a:ext>
+            </a:extLst>
+          </p:cNvPr>
+          <p:cNvPicPr>
+            <a:picLocks noChangeAspect="1"/>
+          </p:cNvPicPr>
+          <p:nvPr/>
+        </p:nvPicPr>
+        <p:blipFill>
+          <a:blip r:embed="rId4"/>
+          <a:stretch>
+            <a:fillRect/>
+          </a:stretch>
+        </p:blipFill>
+        <p:spPr>
+          <a:xfrm>
+            <a:off x="665163" y="3424288"/>
+            <a:ext cx="4740474" cy="1796549"/>
+          </a:xfrm>
+          <a:prstGeom prst="rect">
+            <a:avLst/>
+          </a:prstGeom>
+        </p:spPr>
+      </p:pic>
+      <p:pic>
+        <p:nvPicPr>
+          <p:cNvPr id="10" name="Picture 9">
+            <a:extLst>
+              <a:ext uri="{FF2B5EF4-FFF2-40B4-BE49-F238E27FC236}">
+                <a16:creationId xmlns:a16="http://schemas.microsoft.com/office/drawing/2014/main" id="{73429A99-CB33-35EF-1625-1E993AB518ED}"/>
+              </a:ext>
+            </a:extLst>
+          </p:cNvPr>
+          <p:cNvPicPr>
+            <a:picLocks noChangeAspect="1"/>
+          </p:cNvPicPr>
+          <p:nvPr/>
+        </p:nvPicPr>
+        <p:blipFill>
+          <a:blip r:embed="rId5"/>
+          <a:stretch>
+            <a:fillRect/>
+          </a:stretch>
+        </p:blipFill>
+        <p:spPr>
+          <a:xfrm>
+            <a:off x="6713676" y="3424288"/>
+            <a:ext cx="3178071" cy="1602853"/>
+          </a:xfrm>
+          <a:prstGeom prst="rect">
+            <a:avLst/>
+          </a:prstGeom>
+        </p:spPr>
+      </p:pic>
+      <p:pic>
+        <p:nvPicPr>
+          <p:cNvPr id="12" name="Picture 11">
+            <a:extLst>
+              <a:ext uri="{FF2B5EF4-FFF2-40B4-BE49-F238E27FC236}">
+                <a16:creationId xmlns:a16="http://schemas.microsoft.com/office/drawing/2014/main" id="{2655B3D8-645F-9111-3201-B2D87921E620}"/>
+              </a:ext>
+            </a:extLst>
+          </p:cNvPr>
+          <p:cNvPicPr>
+            <a:picLocks noChangeAspect="1"/>
+          </p:cNvPicPr>
+          <p:nvPr/>
+        </p:nvPicPr>
+        <p:blipFill>
+          <a:blip r:embed="rId6"/>
+          <a:stretch>
+            <a:fillRect/>
+          </a:stretch>
+        </p:blipFill>
+        <p:spPr>
+          <a:xfrm>
+            <a:off x="6783473" y="5063667"/>
+            <a:ext cx="4182728" cy="1429208"/>
+          </a:xfrm>
+          <a:prstGeom prst="rect">
+            <a:avLst/>
+          </a:prstGeom>
+        </p:spPr>
+      </p:pic>
+      <p:pic>
+        <p:nvPicPr>
+          <p:cNvPr id="14" name="Picture 13">
+            <a:extLst>
+              <a:ext uri="{FF2B5EF4-FFF2-40B4-BE49-F238E27FC236}">
+                <a16:creationId xmlns:a16="http://schemas.microsoft.com/office/drawing/2014/main" id="{3EC29F0F-FEEA-F3CC-7AA1-BDDDC3119F9B}"/>
+              </a:ext>
+            </a:extLst>
+          </p:cNvPr>
+          <p:cNvPicPr>
+            <a:picLocks noChangeAspect="1"/>
+          </p:cNvPicPr>
+          <p:nvPr/>
+        </p:nvPicPr>
+        <p:blipFill>
+          <a:blip r:embed="rId7"/>
+          <a:stretch>
+            <a:fillRect/>
+          </a:stretch>
+        </p:blipFill>
+        <p:spPr>
+          <a:xfrm>
+            <a:off x="665163" y="5214713"/>
+            <a:ext cx="4380497" cy="1278162"/>
+          </a:xfrm>
+          <a:prstGeom prst="rect">
+            <a:avLst/>
+          </a:prstGeom>
+        </p:spPr>
+      </p:pic>
+      <p:grpSp>
+        <p:nvGrpSpPr>
+          <p:cNvPr id="15" name="Group 14">
+            <a:extLst>
+              <a:ext uri="{FF2B5EF4-FFF2-40B4-BE49-F238E27FC236}">
+                <a16:creationId xmlns:a16="http://schemas.microsoft.com/office/drawing/2014/main" id="{F05BB858-C95D-53F3-D7AE-DF8AE9BA607A}"/>
+              </a:ext>
+            </a:extLst>
+          </p:cNvPr>
+          <p:cNvGrpSpPr/>
+          <p:nvPr/>
+        </p:nvGrpSpPr>
+        <p:grpSpPr>
+          <a:xfrm>
+            <a:off x="474562" y="185195"/>
+            <a:ext cx="11220727" cy="6197559"/>
+            <a:chOff x="891822" y="643181"/>
+            <a:chExt cx="10803467" cy="5739573"/>
+          </a:xfrm>
+        </p:grpSpPr>
+        <p:cxnSp>
+          <p:nvCxnSpPr>
+            <p:cNvPr id="16" name="Straight Connector 15">
+              <a:extLst>
+                <a:ext uri="{FF2B5EF4-FFF2-40B4-BE49-F238E27FC236}">
+                  <a16:creationId xmlns:a16="http://schemas.microsoft.com/office/drawing/2014/main" id="{14A54C4F-78A4-DE97-09C0-7AAD3718135C}"/>
+                </a:ext>
+              </a:extLst>
+            </p:cNvPr>
+            <p:cNvCxnSpPr>
+              <a:cxnSpLocks/>
+            </p:cNvCxnSpPr>
+            <p:nvPr/>
+          </p:nvCxnSpPr>
+          <p:spPr>
+            <a:xfrm>
+              <a:off x="891822" y="654756"/>
+              <a:ext cx="5204178" cy="0"/>
+            </a:xfrm>
+            <a:prstGeom prst="line">
+              <a:avLst/>
+            </a:prstGeom>
+            <a:ln w="73025">
+              <a:solidFill>
+                <a:srgbClr val="FF0000"/>
+              </a:solidFill>
+            </a:ln>
+          </p:spPr>
+          <p:style>
+            <a:lnRef idx="1">
+              <a:schemeClr val="accent1"/>
+            </a:lnRef>
+            <a:fillRef idx="0">
+              <a:schemeClr val="accent1"/>
+            </a:fillRef>
+            <a:effectRef idx="0">
+              <a:schemeClr val="accent1"/>
+            </a:effectRef>
+            <a:fontRef idx="minor">
+              <a:schemeClr val="tx1"/>
+            </a:fontRef>
+          </p:style>
+        </p:cxnSp>
+        <p:cxnSp>
+          <p:nvCxnSpPr>
+            <p:cNvPr id="17" name="Straight Connector 16">
+              <a:extLst>
+                <a:ext uri="{FF2B5EF4-FFF2-40B4-BE49-F238E27FC236}">
+                  <a16:creationId xmlns:a16="http://schemas.microsoft.com/office/drawing/2014/main" id="{D5BC1271-DA45-7625-2FE8-E34DD464DAD5}"/>
+                </a:ext>
+              </a:extLst>
+            </p:cNvPr>
+            <p:cNvCxnSpPr>
+              <a:cxnSpLocks/>
+            </p:cNvCxnSpPr>
+            <p:nvPr/>
+          </p:nvCxnSpPr>
+          <p:spPr>
+            <a:xfrm>
+              <a:off x="903397" y="643181"/>
+              <a:ext cx="0" cy="2958857"/>
+            </a:xfrm>
+            <a:prstGeom prst="line">
+              <a:avLst/>
+            </a:prstGeom>
+            <a:ln w="73025">
+              <a:solidFill>
+                <a:srgbClr val="FF0000"/>
+              </a:solidFill>
+            </a:ln>
+          </p:spPr>
+          <p:style>
+            <a:lnRef idx="1">
+              <a:schemeClr val="accent1"/>
+            </a:lnRef>
+            <a:fillRef idx="0">
+              <a:schemeClr val="accent1"/>
+            </a:fillRef>
+            <a:effectRef idx="0">
+              <a:schemeClr val="accent1"/>
+            </a:effectRef>
+            <a:fontRef idx="minor">
+              <a:schemeClr val="tx1"/>
+            </a:fontRef>
+          </p:style>
+        </p:cxnSp>
+        <p:cxnSp>
+          <p:nvCxnSpPr>
+            <p:cNvPr id="18" name="Straight Connector 17">
+              <a:extLst>
+                <a:ext uri="{FF2B5EF4-FFF2-40B4-BE49-F238E27FC236}">
+                  <a16:creationId xmlns:a16="http://schemas.microsoft.com/office/drawing/2014/main" id="{C21214BA-8FF8-5A3B-7098-D13C5F78F708}"/>
+                </a:ext>
+              </a:extLst>
+            </p:cNvPr>
+            <p:cNvCxnSpPr/>
+            <p:nvPr/>
+          </p:nvCxnSpPr>
+          <p:spPr>
+            <a:xfrm rot="10800000">
+              <a:off x="6096000" y="6371179"/>
+              <a:ext cx="5599289" cy="0"/>
+            </a:xfrm>
+            <a:prstGeom prst="line">
+              <a:avLst/>
+            </a:prstGeom>
+            <a:ln w="73025">
+              <a:solidFill>
+                <a:srgbClr val="FF0000"/>
+              </a:solidFill>
+            </a:ln>
+          </p:spPr>
+          <p:style>
+            <a:lnRef idx="1">
+              <a:schemeClr val="accent1"/>
+            </a:lnRef>
+            <a:fillRef idx="0">
+              <a:schemeClr val="accent1"/>
+            </a:fillRef>
+            <a:effectRef idx="0">
+              <a:schemeClr val="accent1"/>
+            </a:effectRef>
+            <a:fontRef idx="minor">
+              <a:schemeClr val="tx1"/>
+            </a:fontRef>
+          </p:style>
+        </p:cxnSp>
+        <p:cxnSp>
+          <p:nvCxnSpPr>
+            <p:cNvPr id="19" name="Straight Connector 18">
+              <a:extLst>
+                <a:ext uri="{FF2B5EF4-FFF2-40B4-BE49-F238E27FC236}">
+                  <a16:creationId xmlns:a16="http://schemas.microsoft.com/office/drawing/2014/main" id="{1085BE1C-F7A4-3AFB-6937-551ED6D74EC1}"/>
+                </a:ext>
+              </a:extLst>
+            </p:cNvPr>
+            <p:cNvCxnSpPr>
+              <a:cxnSpLocks/>
+            </p:cNvCxnSpPr>
+            <p:nvPr/>
+          </p:nvCxnSpPr>
+          <p:spPr>
+            <a:xfrm flipV="1">
+              <a:off x="11683713" y="3602038"/>
+              <a:ext cx="1" cy="2780716"/>
+            </a:xfrm>
+            <a:prstGeom prst="line">
+              <a:avLst/>
+            </a:prstGeom>
+            <a:ln w="73025">
+              <a:solidFill>
+                <a:srgbClr val="FF0000"/>
+              </a:solidFill>
+            </a:ln>
+          </p:spPr>
+          <p:style>
+            <a:lnRef idx="1">
+              <a:schemeClr val="accent1"/>
+            </a:lnRef>
+            <a:fillRef idx="0">
+              <a:schemeClr val="accent1"/>
+            </a:fillRef>
+            <a:effectRef idx="0">
+              <a:schemeClr val="accent1"/>
+            </a:effectRef>
+            <a:fontRef idx="minor">
+              <a:schemeClr val="tx1"/>
+            </a:fontRef>
+          </p:style>
+        </p:cxnSp>
+      </p:grpSp>
+    </p:spTree>
+    <p:extLst>
+      <p:ext uri="{BB962C8B-B14F-4D97-AF65-F5344CB8AC3E}">
+        <p14:creationId xmlns:p14="http://schemas.microsoft.com/office/powerpoint/2010/main" val="2211352690"/>
+      </p:ext>
+    </p:extLst>
+  </p:cSld>
+  <p:clrMapOvr>
+    <a:masterClrMapping/>
+  </p:clrMapOvr>
+</p:sld>
+</file>
+
+<file path=ppt/slides/slide4.xml><?xml version="1.0" encoding="utf-8"?>
+<p:sld xmlns:a="http://schemas.openxmlformats.org/drawingml/2006/main" xmlns:r="http://schemas.openxmlformats.org/officeDocument/2006/relationships" xmlns:p="http://schemas.openxmlformats.org/presentationml/2006/main">
+  <p:cSld>
+    <p:spTree>
+      <p:nvGrpSpPr>
+        <p:cNvPr id="1" name=""/>
+        <p:cNvGrpSpPr/>
+        <p:nvPr/>
+      </p:nvGrpSpPr>
+      <p:grpSpPr>
+        <a:xfrm>
+          <a:off x="0" y="0"/>
+          <a:ext cx="0" cy="0"/>
+          <a:chOff x="0" y="0"/>
+          <a:chExt cx="0" cy="0"/>
+        </a:xfrm>
+      </p:grpSpPr>
+      <p:sp>
+        <p:nvSpPr>
+          <p:cNvPr id="2" name="Title 1">
+            <a:extLst>
+              <a:ext uri="{FF2B5EF4-FFF2-40B4-BE49-F238E27FC236}">
+                <a16:creationId xmlns:a16="http://schemas.microsoft.com/office/drawing/2014/main" id="{84358FE0-E394-7479-0CBC-2F7ED290CC76}"/>
+              </a:ext>
+            </a:extLst>
+          </p:cNvPr>
+          <p:cNvSpPr>
+            <a:spLocks noGrp="1"/>
+          </p:cNvSpPr>
+          <p:nvPr>
+            <p:ph type="title"/>
+          </p:nvPr>
+        </p:nvSpPr>
+        <p:spPr/>
+        <p:txBody>
+          <a:bodyPr/>
+          <a:lstStyle/>
+          <a:p>
+            <a:r>
+              <a:rPr lang="en-US" dirty="0"/>
+              <a:t>Classification vs. Regression (Preferred)</a:t>
+            </a:r>
+            <a:endParaRPr lang="en-IN" dirty="0"/>
+          </a:p>
+        </p:txBody>
+      </p:sp>
+      <p:sp>
+        <p:nvSpPr>
+          <p:cNvPr id="3" name="Text Placeholder 2">
+            <a:extLst>
+              <a:ext uri="{FF2B5EF4-FFF2-40B4-BE49-F238E27FC236}">
+                <a16:creationId xmlns:a16="http://schemas.microsoft.com/office/drawing/2014/main" id="{31521DDF-767D-DF4B-49AA-77E3DE210415}"/>
+              </a:ext>
+            </a:extLst>
+          </p:cNvPr>
+          <p:cNvSpPr>
+            <a:spLocks noGrp="1"/>
+          </p:cNvSpPr>
+          <p:nvPr>
+            <p:ph type="body" idx="1"/>
+          </p:nvPr>
+        </p:nvSpPr>
+        <p:spPr/>
+        <p:txBody>
+          <a:bodyPr/>
+          <a:lstStyle/>
+          <a:p>
+            <a:r>
+              <a:rPr lang="en-US" dirty="0"/>
+              <a:t>Classification</a:t>
+            </a:r>
+            <a:endParaRPr lang="en-IN" dirty="0"/>
+          </a:p>
+        </p:txBody>
+      </p:sp>
+      <mc:AlternateContent xmlns:mc="http://schemas.openxmlformats.org/markup-compatibility/2006">
+        <mc:Choice xmlns:a14="http://schemas.microsoft.com/office/drawing/2010/main" Requires="a14">
+          <p:sp>
+            <p:nvSpPr>
+              <p:cNvPr id="4" name="Content Placeholder 3">
+                <a:extLst>
+                  <a:ext uri="{FF2B5EF4-FFF2-40B4-BE49-F238E27FC236}">
+                    <a16:creationId xmlns:a16="http://schemas.microsoft.com/office/drawing/2014/main" id="{99EE1F41-14F8-925E-16BE-083DB6732AE0}"/>
+                  </a:ext>
+                </a:extLst>
+              </p:cNvPr>
+              <p:cNvSpPr>
+                <a:spLocks noGrp="1"/>
+              </p:cNvSpPr>
+              <p:nvPr>
+                <p:ph sz="half" idx="2"/>
+              </p:nvPr>
+            </p:nvSpPr>
+            <p:spPr/>
+            <p:txBody>
+              <a:bodyPr/>
+              <a:lstStyle/>
+              <a:p>
+                <a:r>
+                  <a:rPr lang="en-US" dirty="0"/>
+                  <a:t>Dense with sigmoid </a:t>
+                </a:r>
+              </a:p>
+              <a:p>
+                <a14:m>
+                  <m:oMath xmlns:m="http://schemas.openxmlformats.org/officeDocument/2006/math">
+                    <m:r>
+                      <a:rPr lang="en-US" b="0" i="1" smtClean="0">
+                        <a:latin typeface="Cambria Math" panose="02040503050406030204" pitchFamily="18" charset="0"/>
+                      </a:rPr>
+                      <m:t>𝑠𝑖𝑔𝑚𝑜𝑖𝑑</m:t>
+                    </m:r>
+                    <m:r>
+                      <a:rPr lang="en-IN" i="1" smtClean="0">
+                        <a:latin typeface="Cambria Math" panose="02040503050406030204" pitchFamily="18" charset="0"/>
+                      </a:rPr>
+                      <m:t>=</m:t>
+                    </m:r>
+                    <m:r>
+                      <m:rPr>
+                        <m:sty m:val="p"/>
+                      </m:rPr>
+                      <a:rPr lang="el-GR" i="1" smtClean="0">
+                        <a:latin typeface="Cambria Math" panose="02040503050406030204" pitchFamily="18" charset="0"/>
+                      </a:rPr>
+                      <m:t>σ</m:t>
+                    </m:r>
+                    <m:r>
+                      <a:rPr lang="en-US" b="0" i="1" smtClean="0">
+                        <a:latin typeface="Cambria Math" panose="02040503050406030204" pitchFamily="18" charset="0"/>
+                      </a:rPr>
+                      <m:t>(</m:t>
+                    </m:r>
+                    <m:r>
+                      <a:rPr lang="en-US" b="0" i="1" smtClean="0">
+                        <a:latin typeface="Cambria Math" panose="02040503050406030204" pitchFamily="18" charset="0"/>
+                      </a:rPr>
+                      <m:t>𝑤𝑇</m:t>
+                    </m:r>
+                    <m:r>
+                      <a:rPr lang="en-US" b="0" i="1" smtClean="0">
+                        <a:latin typeface="Cambria Math" panose="02040503050406030204" pitchFamily="18" charset="0"/>
+                      </a:rPr>
+                      <m:t>𝑥</m:t>
+                    </m:r>
+                    <m:r>
+                      <a:rPr lang="en-US" b="0" i="1" smtClean="0">
+                        <a:latin typeface="Cambria Math" panose="02040503050406030204" pitchFamily="18" charset="0"/>
+                      </a:rPr>
+                      <m:t>+</m:t>
+                    </m:r>
+                    <m:r>
+                      <a:rPr lang="en-US" b="0" i="1" smtClean="0">
+                        <a:latin typeface="Cambria Math" panose="02040503050406030204" pitchFamily="18" charset="0"/>
+                      </a:rPr>
+                      <m:t>𝑏</m:t>
+                    </m:r>
+                    <m:r>
+                      <a:rPr lang="en-US" b="0" i="1" smtClean="0">
+                        <a:latin typeface="Cambria Math" panose="02040503050406030204" pitchFamily="18" charset="0"/>
+                      </a:rPr>
+                      <m:t>)</m:t>
+                    </m:r>
+                  </m:oMath>
+                </a14:m>
+                <a:endParaRPr lang="en-IN" dirty="0"/>
+              </a:p>
+            </p:txBody>
+          </p:sp>
+        </mc:Choice>
+        <mc:Fallback>
+          <p:sp>
+            <p:nvSpPr>
+              <p:cNvPr id="4" name="Content Placeholder 3">
+                <a:extLst>
+                  <a:ext uri="{FF2B5EF4-FFF2-40B4-BE49-F238E27FC236}">
+                    <a16:creationId xmlns:a16="http://schemas.microsoft.com/office/drawing/2014/main" id="{99EE1F41-14F8-925E-16BE-083DB6732AE0}"/>
+                  </a:ext>
+                </a:extLst>
+              </p:cNvPr>
+              <p:cNvSpPr>
+                <a:spLocks noGrp="1" noRot="1" noChangeAspect="1" noMove="1" noResize="1" noEditPoints="1" noAdjustHandles="1" noChangeArrowheads="1" noChangeShapeType="1" noTextEdit="1"/>
+              </p:cNvSpPr>
+              <p:nvPr>
+                <p:ph sz="half" idx="2"/>
+              </p:nvPr>
+            </p:nvSpPr>
+            <p:spPr>
+              <a:blipFill>
+                <a:blip r:embed="rId2"/>
+                <a:stretch>
+                  <a:fillRect l="-2128" t="-2815"/>
+                </a:stretch>
+              </a:blipFill>
+            </p:spPr>
+            <p:txBody>
+              <a:bodyPr/>
+              <a:lstStyle/>
+              <a:p>
+                <a:r>
+                  <a:rPr lang="en-IN">
+                    <a:noFill/>
+                  </a:rPr>
+                  <a:t> </a:t>
+                </a:r>
+              </a:p>
+            </p:txBody>
+          </p:sp>
+        </mc:Fallback>
+      </mc:AlternateContent>
+      <p:sp>
+        <p:nvSpPr>
+          <p:cNvPr id="5" name="Text Placeholder 4">
+            <a:extLst>
+              <a:ext uri="{FF2B5EF4-FFF2-40B4-BE49-F238E27FC236}">
+                <a16:creationId xmlns:a16="http://schemas.microsoft.com/office/drawing/2014/main" id="{8C78570A-C15D-68EC-43A6-9AACD13A0494}"/>
+              </a:ext>
+            </a:extLst>
+          </p:cNvPr>
+          <p:cNvSpPr>
+            <a:spLocks noGrp="1"/>
+          </p:cNvSpPr>
+          <p:nvPr>
+            <p:ph type="body" sz="quarter" idx="3"/>
+          </p:nvPr>
+        </p:nvSpPr>
+        <p:spPr/>
+        <p:txBody>
+          <a:bodyPr/>
+          <a:lstStyle/>
+          <a:p>
+            <a:r>
+              <a:rPr lang="en-US" dirty="0"/>
+              <a:t>Regression</a:t>
+            </a:r>
+            <a:endParaRPr lang="en-IN" dirty="0"/>
+          </a:p>
+        </p:txBody>
+      </p:sp>
+      <mc:AlternateContent xmlns:mc="http://schemas.openxmlformats.org/markup-compatibility/2006">
+        <mc:Choice xmlns:a14="http://schemas.microsoft.com/office/drawing/2010/main" Requires="a14">
+          <p:sp>
+            <p:nvSpPr>
+              <p:cNvPr id="6" name="Content Placeholder 5">
+                <a:extLst>
+                  <a:ext uri="{FF2B5EF4-FFF2-40B4-BE49-F238E27FC236}">
+                    <a16:creationId xmlns:a16="http://schemas.microsoft.com/office/drawing/2014/main" id="{87D8DA1B-9EC3-6F55-D5CA-32A2F7E8B79A}"/>
+                  </a:ext>
+                </a:extLst>
+              </p:cNvPr>
+              <p:cNvSpPr>
+                <a:spLocks noGrp="1"/>
+              </p:cNvSpPr>
+              <p:nvPr>
+                <p:ph sz="quarter" idx="4"/>
+              </p:nvPr>
+            </p:nvSpPr>
+            <p:spPr/>
+            <p:txBody>
+              <a:bodyPr/>
+              <a:lstStyle/>
+              <a:p>
+                <a14:m>
+                  <m:oMath xmlns:m="http://schemas.openxmlformats.org/officeDocument/2006/math">
+                    <m:r>
+                      <m:rPr>
+                        <m:sty m:val="p"/>
+                      </m:rPr>
+                      <a:rPr lang="en-US" b="0" i="0" smtClean="0">
+                        <a:latin typeface="Cambria Math" panose="02040503050406030204" pitchFamily="18" charset="0"/>
+                      </a:rPr>
+                      <m:t>dense</m:t>
+                    </m:r>
+                    <m:r>
+                      <a:rPr lang="en-US" i="1" smtClean="0">
+                        <a:latin typeface="Cambria Math" panose="02040503050406030204" pitchFamily="18" charset="0"/>
+                      </a:rPr>
+                      <m:t>=</m:t>
+                    </m:r>
+                    <m:r>
+                      <a:rPr lang="en-US" b="0" i="1" smtClean="0">
+                        <a:latin typeface="Cambria Math" panose="02040503050406030204" pitchFamily="18" charset="0"/>
+                      </a:rPr>
+                      <m:t>𝑤</m:t>
+                    </m:r>
+                    <m:r>
+                      <a:rPr lang="en-US" b="0" i="1" baseline="30000" smtClean="0">
+                        <a:latin typeface="Cambria Math" panose="02040503050406030204" pitchFamily="18" charset="0"/>
+                      </a:rPr>
+                      <m:t>𝑇</m:t>
+                    </m:r>
+                    <m:r>
+                      <a:rPr lang="en-US" b="0" i="1" smtClean="0">
+                        <a:latin typeface="Cambria Math" panose="02040503050406030204" pitchFamily="18" charset="0"/>
+                      </a:rPr>
+                      <m:t>𝑥</m:t>
+                    </m:r>
+                    <m:r>
+                      <a:rPr lang="en-US" b="0" i="1" smtClean="0">
+                        <a:latin typeface="Cambria Math" panose="02040503050406030204" pitchFamily="18" charset="0"/>
+                      </a:rPr>
+                      <m:t>+</m:t>
+                    </m:r>
+                    <m:r>
+                      <a:rPr lang="en-US" b="0" i="1" smtClean="0">
+                        <a:latin typeface="Cambria Math" panose="02040503050406030204" pitchFamily="18" charset="0"/>
+                      </a:rPr>
+                      <m:t>𝑏</m:t>
+                    </m:r>
+                  </m:oMath>
+                </a14:m>
+                <a:endParaRPr lang="en-IN" dirty="0"/>
+              </a:p>
+            </p:txBody>
+          </p:sp>
+        </mc:Choice>
+        <mc:Fallback>
+          <p:sp>
+            <p:nvSpPr>
+              <p:cNvPr id="6" name="Content Placeholder 5">
+                <a:extLst>
+                  <a:ext uri="{FF2B5EF4-FFF2-40B4-BE49-F238E27FC236}">
+                    <a16:creationId xmlns:a16="http://schemas.microsoft.com/office/drawing/2014/main" id="{87D8DA1B-9EC3-6F55-D5CA-32A2F7E8B79A}"/>
+                  </a:ext>
+                </a:extLst>
+              </p:cNvPr>
+              <p:cNvSpPr>
+                <a:spLocks noGrp="1" noRot="1" noChangeAspect="1" noMove="1" noResize="1" noEditPoints="1" noAdjustHandles="1" noChangeArrowheads="1" noChangeShapeType="1" noTextEdit="1"/>
+              </p:cNvSpPr>
+              <p:nvPr>
+                <p:ph sz="quarter" idx="4"/>
+              </p:nvPr>
+            </p:nvSpPr>
+            <p:spPr>
+              <a:blipFill>
+                <a:blip r:embed="rId3"/>
+                <a:stretch>
+                  <a:fillRect/>
+                </a:stretch>
+              </a:blipFill>
+            </p:spPr>
+            <p:txBody>
+              <a:bodyPr/>
+              <a:lstStyle/>
+              <a:p>
+                <a:r>
+                  <a:rPr lang="en-IN">
+                    <a:noFill/>
+                  </a:rPr>
+                  <a:t> </a:t>
+                </a:r>
+              </a:p>
+            </p:txBody>
+          </p:sp>
+        </mc:Fallback>
+      </mc:AlternateContent>
+      <p:pic>
+        <p:nvPicPr>
+          <p:cNvPr id="10" name="Picture 9">
+            <a:extLst>
+              <a:ext uri="{FF2B5EF4-FFF2-40B4-BE49-F238E27FC236}">
+                <a16:creationId xmlns:a16="http://schemas.microsoft.com/office/drawing/2014/main" id="{73429A99-CB33-35EF-1625-1E993AB518ED}"/>
+              </a:ext>
+            </a:extLst>
+          </p:cNvPr>
+          <p:cNvPicPr>
+            <a:picLocks noChangeAspect="1"/>
+          </p:cNvPicPr>
+          <p:nvPr/>
+        </p:nvPicPr>
+        <p:blipFill>
+          <a:blip r:embed="rId4"/>
+          <a:stretch>
+            <a:fillRect/>
+          </a:stretch>
+        </p:blipFill>
+        <p:spPr>
+          <a:xfrm>
+            <a:off x="6713676" y="3424288"/>
+            <a:ext cx="3178071" cy="1602853"/>
+          </a:xfrm>
+          <a:prstGeom prst="rect">
+            <a:avLst/>
+          </a:prstGeom>
+        </p:spPr>
+      </p:pic>
+      <p:pic>
+        <p:nvPicPr>
+          <p:cNvPr id="12" name="Picture 11">
+            <a:extLst>
+              <a:ext uri="{FF2B5EF4-FFF2-40B4-BE49-F238E27FC236}">
+                <a16:creationId xmlns:a16="http://schemas.microsoft.com/office/drawing/2014/main" id="{2655B3D8-645F-9111-3201-B2D87921E620}"/>
+              </a:ext>
+            </a:extLst>
+          </p:cNvPr>
+          <p:cNvPicPr>
+            <a:picLocks noChangeAspect="1"/>
+          </p:cNvPicPr>
+          <p:nvPr/>
+        </p:nvPicPr>
+        <p:blipFill>
+          <a:blip r:embed="rId5"/>
+          <a:stretch>
+            <a:fillRect/>
+          </a:stretch>
+        </p:blipFill>
+        <p:spPr>
+          <a:xfrm>
+            <a:off x="6783473" y="5063667"/>
+            <a:ext cx="4182728" cy="1429208"/>
+          </a:xfrm>
+          <a:prstGeom prst="rect">
+            <a:avLst/>
+          </a:prstGeom>
+        </p:spPr>
+      </p:pic>
+      <p:pic>
+        <p:nvPicPr>
+          <p:cNvPr id="7" name="Picture 6">
+            <a:extLst>
+              <a:ext uri="{FF2B5EF4-FFF2-40B4-BE49-F238E27FC236}">
+                <a16:creationId xmlns:a16="http://schemas.microsoft.com/office/drawing/2014/main" id="{32070DB2-DB68-EF48-31EC-2B9AAC0E42CA}"/>
+              </a:ext>
+            </a:extLst>
+          </p:cNvPr>
+          <p:cNvPicPr>
+            <a:picLocks noChangeAspect="1"/>
+          </p:cNvPicPr>
+          <p:nvPr/>
+        </p:nvPicPr>
+        <p:blipFill>
+          <a:blip r:embed="rId4"/>
+          <a:stretch>
+            <a:fillRect/>
+          </a:stretch>
+        </p:blipFill>
+        <p:spPr>
+          <a:xfrm>
+            <a:off x="665163" y="3460814"/>
+            <a:ext cx="3178071" cy="1602853"/>
+          </a:xfrm>
+          <a:prstGeom prst="rect">
+            <a:avLst/>
+          </a:prstGeom>
+        </p:spPr>
+      </p:pic>
+      <p:pic>
+        <p:nvPicPr>
+          <p:cNvPr id="11" name="Picture 10">
+            <a:extLst>
+              <a:ext uri="{FF2B5EF4-FFF2-40B4-BE49-F238E27FC236}">
+                <a16:creationId xmlns:a16="http://schemas.microsoft.com/office/drawing/2014/main" id="{B1DE632A-A9FA-4556-1079-8ACD4190FAA0}"/>
+              </a:ext>
+            </a:extLst>
+          </p:cNvPr>
+          <p:cNvPicPr>
+            <a:picLocks noChangeAspect="1"/>
+          </p:cNvPicPr>
+          <p:nvPr/>
+        </p:nvPicPr>
+        <p:blipFill>
+          <a:blip r:embed="rId6"/>
+          <a:stretch>
+            <a:fillRect/>
+          </a:stretch>
+        </p:blipFill>
+        <p:spPr>
+          <a:xfrm>
+            <a:off x="665163" y="5094663"/>
+            <a:ext cx="5734050" cy="1398212"/>
+          </a:xfrm>
+          <a:prstGeom prst="rect">
+            <a:avLst/>
+          </a:prstGeom>
+        </p:spPr>
+      </p:pic>
+      <p:grpSp>
+        <p:nvGrpSpPr>
+          <p:cNvPr id="13" name="Group 12">
+            <a:extLst>
+              <a:ext uri="{FF2B5EF4-FFF2-40B4-BE49-F238E27FC236}">
+                <a16:creationId xmlns:a16="http://schemas.microsoft.com/office/drawing/2014/main" id="{93BEC1EF-E714-6743-6406-B2097F4F6C44}"/>
+              </a:ext>
+            </a:extLst>
+          </p:cNvPr>
+          <p:cNvGrpSpPr/>
+          <p:nvPr/>
+        </p:nvGrpSpPr>
+        <p:grpSpPr>
+          <a:xfrm>
+            <a:off x="474562" y="185195"/>
+            <a:ext cx="11220727" cy="6197559"/>
+            <a:chOff x="891822" y="643181"/>
+            <a:chExt cx="10803467" cy="5739573"/>
+          </a:xfrm>
+        </p:grpSpPr>
+        <p:cxnSp>
+          <p:nvCxnSpPr>
+            <p:cNvPr id="15" name="Straight Connector 14">
+              <a:extLst>
+                <a:ext uri="{FF2B5EF4-FFF2-40B4-BE49-F238E27FC236}">
+                  <a16:creationId xmlns:a16="http://schemas.microsoft.com/office/drawing/2014/main" id="{952D4ABD-EC25-40C9-5610-A7D091FC2B8A}"/>
+                </a:ext>
+              </a:extLst>
+            </p:cNvPr>
+            <p:cNvCxnSpPr>
+              <a:cxnSpLocks/>
+            </p:cNvCxnSpPr>
+            <p:nvPr/>
+          </p:nvCxnSpPr>
+          <p:spPr>
+            <a:xfrm>
+              <a:off x="891822" y="654756"/>
+              <a:ext cx="5204178" cy="0"/>
+            </a:xfrm>
+            <a:prstGeom prst="line">
+              <a:avLst/>
+            </a:prstGeom>
+            <a:ln w="73025">
+              <a:solidFill>
+                <a:srgbClr val="0070C0"/>
+              </a:solidFill>
+            </a:ln>
+          </p:spPr>
+          <p:style>
+            <a:lnRef idx="1">
+              <a:schemeClr val="accent1"/>
+            </a:lnRef>
+            <a:fillRef idx="0">
+              <a:schemeClr val="accent1"/>
+            </a:fillRef>
+            <a:effectRef idx="0">
+              <a:schemeClr val="accent1"/>
+            </a:effectRef>
+            <a:fontRef idx="minor">
+              <a:schemeClr val="tx1"/>
+            </a:fontRef>
+          </p:style>
+        </p:cxnSp>
+        <p:cxnSp>
+          <p:nvCxnSpPr>
+            <p:cNvPr id="16" name="Straight Connector 15">
+              <a:extLst>
+                <a:ext uri="{FF2B5EF4-FFF2-40B4-BE49-F238E27FC236}">
+                  <a16:creationId xmlns:a16="http://schemas.microsoft.com/office/drawing/2014/main" id="{F4DE8F21-F56F-BBAB-9258-1FDC64719124}"/>
+                </a:ext>
+              </a:extLst>
+            </p:cNvPr>
+            <p:cNvCxnSpPr>
+              <a:cxnSpLocks/>
+            </p:cNvCxnSpPr>
+            <p:nvPr/>
+          </p:nvCxnSpPr>
+          <p:spPr>
+            <a:xfrm>
+              <a:off x="903397" y="643181"/>
+              <a:ext cx="0" cy="2958857"/>
+            </a:xfrm>
+            <a:prstGeom prst="line">
+              <a:avLst/>
+            </a:prstGeom>
+            <a:ln w="73025">
+              <a:solidFill>
+                <a:srgbClr val="0070C0"/>
+              </a:solidFill>
+            </a:ln>
+          </p:spPr>
+          <p:style>
+            <a:lnRef idx="1">
+              <a:schemeClr val="accent1"/>
+            </a:lnRef>
+            <a:fillRef idx="0">
+              <a:schemeClr val="accent1"/>
+            </a:fillRef>
+            <a:effectRef idx="0">
+              <a:schemeClr val="accent1"/>
+            </a:effectRef>
+            <a:fontRef idx="minor">
+              <a:schemeClr val="tx1"/>
+            </a:fontRef>
+          </p:style>
+        </p:cxnSp>
+        <p:cxnSp>
+          <p:nvCxnSpPr>
+            <p:cNvPr id="17" name="Straight Connector 16">
+              <a:extLst>
+                <a:ext uri="{FF2B5EF4-FFF2-40B4-BE49-F238E27FC236}">
+                  <a16:creationId xmlns:a16="http://schemas.microsoft.com/office/drawing/2014/main" id="{C782C2AA-9D23-D08C-BC11-5725E3576BF7}"/>
+                </a:ext>
+              </a:extLst>
+            </p:cNvPr>
+            <p:cNvCxnSpPr/>
+            <p:nvPr/>
+          </p:nvCxnSpPr>
+          <p:spPr>
+            <a:xfrm rot="10800000">
+              <a:off x="6096000" y="6371179"/>
+              <a:ext cx="5599289" cy="0"/>
+            </a:xfrm>
+            <a:prstGeom prst="line">
+              <a:avLst/>
+            </a:prstGeom>
+            <a:ln w="73025">
+              <a:solidFill>
+                <a:srgbClr val="0070C0"/>
+              </a:solidFill>
+            </a:ln>
+          </p:spPr>
+          <p:style>
+            <a:lnRef idx="1">
+              <a:schemeClr val="accent1"/>
+            </a:lnRef>
+            <a:fillRef idx="0">
+              <a:schemeClr val="accent1"/>
+            </a:fillRef>
+            <a:effectRef idx="0">
+              <a:schemeClr val="accent1"/>
+            </a:effectRef>
+            <a:fontRef idx="minor">
+              <a:schemeClr val="tx1"/>
+            </a:fontRef>
+          </p:style>
+        </p:cxnSp>
+        <p:cxnSp>
+          <p:nvCxnSpPr>
+            <p:cNvPr id="18" name="Straight Connector 17">
+              <a:extLst>
+                <a:ext uri="{FF2B5EF4-FFF2-40B4-BE49-F238E27FC236}">
+                  <a16:creationId xmlns:a16="http://schemas.microsoft.com/office/drawing/2014/main" id="{1020FD63-7802-9CC5-4F93-39D4DC6D90C7}"/>
+                </a:ext>
+              </a:extLst>
+            </p:cNvPr>
+            <p:cNvCxnSpPr>
+              <a:cxnSpLocks/>
+            </p:cNvCxnSpPr>
+            <p:nvPr/>
+          </p:nvCxnSpPr>
+          <p:spPr>
+            <a:xfrm flipV="1">
+              <a:off x="11683713" y="3602038"/>
+              <a:ext cx="1" cy="2780716"/>
+            </a:xfrm>
+            <a:prstGeom prst="line">
+              <a:avLst/>
+            </a:prstGeom>
+            <a:ln w="73025">
+              <a:solidFill>
+                <a:srgbClr val="0070C0"/>
+              </a:solidFill>
+            </a:ln>
+          </p:spPr>
+          <p:style>
+            <a:lnRef idx="1">
+              <a:schemeClr val="accent1"/>
+            </a:lnRef>
+            <a:fillRef idx="0">
+              <a:schemeClr val="accent1"/>
+            </a:fillRef>
+            <a:effectRef idx="0">
+              <a:schemeClr val="accent1"/>
+            </a:effectRef>
+            <a:fontRef idx="minor">
+              <a:schemeClr val="tx1"/>
+            </a:fontRef>
+          </p:style>
+        </p:cxnSp>
+      </p:grpSp>
+    </p:spTree>
+    <p:extLst>
+      <p:ext uri="{BB962C8B-B14F-4D97-AF65-F5344CB8AC3E}">
+        <p14:creationId xmlns:p14="http://schemas.microsoft.com/office/powerpoint/2010/main" val="4031540178"/>
+      </p:ext>
+    </p:extLst>
+  </p:cSld>
+  <p:clrMapOvr>
+    <a:masterClrMapping/>
+  </p:clrMapOvr>
+</p:sld>
+</file>
+
 <file path=ppt/theme/theme1.xml><?xml version="1.0" encoding="utf-8"?>
 <a:theme xmlns:a="http://schemas.openxmlformats.org/drawingml/2006/main" name="Office Theme">
   <a:themeElements>
